--- a/PowerPoints/06 - Syntax Analysis.pptx
+++ b/PowerPoints/06 - Syntax Analysis.pptx
@@ -31,7 +31,7 @@
     <p:sldId id="294" r:id="rId19"/>
     <p:sldId id="411" r:id="rId20"/>
     <p:sldId id="296" r:id="rId21"/>
-    <p:sldId id="412" r:id="rId22"/>
+    <p:sldId id="372" r:id="rId22"/>
     <p:sldId id="413" r:id="rId23"/>
     <p:sldId id="345" r:id="rId24"/>
     <p:sldId id="414" r:id="rId25"/>
@@ -12837,66 +12837,71 @@
             <p:ph type="body" idx="1"/>
           </p:nvPr>
         </p:nvSpPr>
-        <p:spPr/>
-        <p:txBody>
-          <a:bodyPr/>
-          <a:lstStyle/>
-          <a:p>
-            <a:r>
-              <a:rPr lang="en-US" sz="2000" dirty="0" err="1">
+        <p:spPr>
+          <a:xfrm>
+            <a:off x="458788" y="1295400"/>
+            <a:ext cx="8226425" cy="4935537"/>
+          </a:xfrm>
+        </p:spPr>
+        <p:txBody>
+          <a:bodyPr/>
+          <a:lstStyle/>
+          <a:p>
+            <a:r>
+              <a:rPr lang="en-US" sz="1800" dirty="0" err="1">
                 <a:latin typeface="Consolas" panose="020B0609020204030204" pitchFamily="49" charset="0"/>
               </a:rPr>
               <a:t>constDecl</a:t>
             </a:r>
             <a:r>
-              <a:rPr lang="en-US" sz="2000" dirty="0">
+              <a:rPr lang="en-US" sz="1800" dirty="0">
                 <a:latin typeface="Consolas" panose="020B0609020204030204" pitchFamily="49" charset="0"/>
               </a:rPr>
               <a:t> = "</a:t>
             </a:r>
             <a:r>
-              <a:rPr lang="en-US" sz="2000" dirty="0" err="1">
+              <a:rPr lang="en-US" sz="1800" dirty="0" err="1">
                 <a:latin typeface="Consolas" panose="020B0609020204030204" pitchFamily="49" charset="0"/>
               </a:rPr>
               <a:t>const</a:t>
             </a:r>
             <a:r>
-              <a:rPr lang="en-US" sz="2000" dirty="0">
+              <a:rPr lang="en-US" sz="1800" dirty="0">
                 <a:latin typeface="Consolas" panose="020B0609020204030204" pitchFamily="49" charset="0"/>
               </a:rPr>
               <a:t>" </a:t>
             </a:r>
             <a:r>
-              <a:rPr lang="en-US" sz="2000" dirty="0" err="1">
+              <a:rPr lang="en-US" sz="1800" dirty="0" err="1">
                 <a:latin typeface="Consolas" panose="020B0609020204030204" pitchFamily="49" charset="0"/>
               </a:rPr>
               <a:t>constId</a:t>
             </a:r>
             <a:r>
-              <a:rPr lang="en-US" sz="2000" dirty="0">
+              <a:rPr lang="en-US" sz="1800" dirty="0">
                 <a:latin typeface="Consolas" panose="020B0609020204030204" pitchFamily="49" charset="0"/>
               </a:rPr>
               <a:t> ":=" literal ";" .</a:t>
             </a:r>
             <a:br>
-              <a:rPr lang="en-US" sz="2000" dirty="0">
+              <a:rPr lang="en-US" sz="1800" dirty="0">
                 <a:latin typeface="Consolas" panose="020B0609020204030204" pitchFamily="49" charset="0"/>
               </a:rPr>
             </a:br>
             <a:r>
-              <a:rPr lang="en-US" sz="2000" dirty="0">
+              <a:rPr lang="en-US" sz="1800" dirty="0">
                 <a:latin typeface="Consolas" panose="020B0609020204030204" pitchFamily="49" charset="0"/>
               </a:rPr>
               <a:t>First(</a:t>
             </a:r>
             <a:r>
-              <a:rPr lang="en-US" sz="2000" dirty="0" err="1">
+              <a:rPr lang="en-US" sz="1800" dirty="0" err="1">
                 <a:latin typeface="Consolas" panose="020B0609020204030204" pitchFamily="49" charset="0"/>
               </a:rPr>
               <a:t>constDecl</a:t>
             </a:r>
             <a:r>
-              <a:rPr lang="en-US" sz="2000" dirty="0">
+              <a:rPr lang="en-US" sz="1800" dirty="0">
                 <a:latin typeface="Consolas" panose="020B0609020204030204" pitchFamily="49" charset="0"/>
               </a:rPr>
               <a:t>) = { "const" }</a:t>
@@ -12904,48 +12909,48 @@
           </a:p>
           <a:p>
             <a:r>
-              <a:rPr lang="en-US" sz="2000" dirty="0" err="1">
+              <a:rPr lang="en-US" sz="1800" dirty="0" err="1">
                 <a:latin typeface="Consolas" panose="020B0609020204030204" pitchFamily="49" charset="0"/>
               </a:rPr>
               <a:t>varDecl</a:t>
             </a:r>
             <a:r>
-              <a:rPr lang="en-US" sz="2000" dirty="0">
+              <a:rPr lang="en-US" sz="1800" dirty="0">
                 <a:latin typeface="Consolas" panose="020B0609020204030204" pitchFamily="49" charset="0"/>
               </a:rPr>
               <a:t> = "</a:t>
             </a:r>
             <a:r>
-              <a:rPr lang="en-US" sz="2000" dirty="0" err="1">
+              <a:rPr lang="en-US" sz="1800" dirty="0" err="1">
                 <a:latin typeface="Consolas" panose="020B0609020204030204" pitchFamily="49" charset="0"/>
               </a:rPr>
               <a:t>var</a:t>
             </a:r>
             <a:r>
-              <a:rPr lang="en-US" sz="2000" dirty="0">
+              <a:rPr lang="en-US" sz="1800" dirty="0">
                 <a:latin typeface="Consolas" panose="020B0609020204030204" pitchFamily="49" charset="0"/>
               </a:rPr>
               <a:t>" identifiers ":" </a:t>
             </a:r>
             <a:r>
-              <a:rPr lang="en-US" sz="2000" dirty="0" err="1">
+              <a:rPr lang="en-US" sz="1800" dirty="0" err="1">
                 <a:latin typeface="Consolas" panose="020B0609020204030204" pitchFamily="49" charset="0"/>
               </a:rPr>
               <a:t>typeName</a:t>
             </a:r>
             <a:r>
-              <a:rPr lang="en-US" sz="2000" dirty="0">
+              <a:rPr lang="en-US" sz="1800" dirty="0">
                 <a:latin typeface="Consolas" panose="020B0609020204030204" pitchFamily="49" charset="0"/>
               </a:rPr>
               <a:t> ";" .</a:t>
             </a:r>
             <a:br>
-              <a:rPr lang="en-US" sz="2000" dirty="0">
+              <a:rPr lang="en-US" sz="1800" dirty="0">
                 <a:latin typeface="Consolas" panose="020B0609020204030204" pitchFamily="49" charset="0"/>
               </a:rPr>
             </a:br>
             <a:r>
-              <a:rPr lang="en-US" sz="2000" dirty="0">
+              <a:rPr lang="en-US" sz="1800" dirty="0">
                 <a:latin typeface="Consolas" panose="020B0609020204030204" pitchFamily="49" charset="0"/>
               </a:rPr>
               <a:t>First(varDecl) = { "var" }</a:t>
@@ -12953,254 +12958,321 @@
           </a:p>
           <a:p>
             <a:r>
-              <a:rPr lang="en-US" sz="2000" dirty="0" err="1">
+              <a:rPr lang="en-US" sz="1800" dirty="0" err="1">
+                <a:latin typeface="Consolas" panose="020B0609020204030204" pitchFamily="49" charset="0"/>
+              </a:rPr>
+              <a:t>arrayTypeDecl</a:t>
+            </a:r>
+            <a:r>
+              <a:rPr lang="en-US" sz="1800" dirty="0">
+                <a:latin typeface="Consolas" panose="020B0609020204030204" pitchFamily="49" charset="0"/>
+              </a:rPr>
+              <a:t> = "type" </a:t>
+            </a:r>
+            <a:r>
+              <a:rPr lang="en-US" sz="1800" dirty="0" err="1">
+                <a:latin typeface="Consolas" panose="020B0609020204030204" pitchFamily="49" charset="0"/>
+              </a:rPr>
+              <a:t>typeId</a:t>
+            </a:r>
+            <a:r>
+              <a:rPr lang="en-US" sz="1800" dirty="0">
+                <a:latin typeface="Consolas" panose="020B0609020204030204" pitchFamily="49" charset="0"/>
+              </a:rPr>
+              <a:t> "=" "array" </a:t>
+            </a:r>
+            <a:br>
+              <a:rPr lang="en-US" sz="1800" dirty="0">
+                <a:latin typeface="Consolas" panose="020B0609020204030204" pitchFamily="49" charset="0"/>
+              </a:rPr>
+            </a:br>
+            <a:r>
+              <a:rPr lang="en-US" sz="1800" dirty="0">
+                <a:latin typeface="Consolas" panose="020B0609020204030204" pitchFamily="49" charset="0"/>
+              </a:rPr>
+              <a:t>                "[" </a:t>
+            </a:r>
+            <a:r>
+              <a:rPr lang="en-US" sz="1800" dirty="0" err="1">
+                <a:latin typeface="Consolas" panose="020B0609020204030204" pitchFamily="49" charset="0"/>
+              </a:rPr>
+              <a:t>intConstValue</a:t>
+            </a:r>
+            <a:r>
+              <a:rPr lang="en-US" sz="1800" dirty="0">
+                <a:latin typeface="Consolas" panose="020B0609020204030204" pitchFamily="49" charset="0"/>
+              </a:rPr>
+              <a:t> "]" "of" </a:t>
+            </a:r>
+            <a:r>
+              <a:rPr lang="en-US" sz="1800" dirty="0" err="1">
+                <a:latin typeface="Consolas" panose="020B0609020204030204" pitchFamily="49" charset="0"/>
+              </a:rPr>
+              <a:t>typeName</a:t>
+            </a:r>
+            <a:r>
+              <a:rPr lang="en-US" sz="1800" dirty="0">
+                <a:latin typeface="Consolas" panose="020B0609020204030204" pitchFamily="49" charset="0"/>
+              </a:rPr>
+              <a:t> ";" </a:t>
+            </a:r>
+            <a:br>
+              <a:rPr lang="en-US" sz="1800" dirty="0">
+                <a:latin typeface="Consolas" panose="020B0609020204030204" pitchFamily="49" charset="0"/>
+              </a:rPr>
+            </a:br>
+            <a:r>
+              <a:rPr lang="en-US" sz="1800" dirty="0">
+                <a:latin typeface="Consolas" panose="020B0609020204030204" pitchFamily="49" charset="0"/>
+              </a:rPr>
+              <a:t>First(</a:t>
+            </a:r>
+            <a:r>
+              <a:rPr lang="en-US" sz="1800" dirty="0" err="1">
+                <a:latin typeface="Consolas" panose="020B0609020204030204" pitchFamily="49" charset="0"/>
+              </a:rPr>
+              <a:t>arrayTypeDecl</a:t>
+            </a:r>
+            <a:r>
+              <a:rPr lang="en-US" sz="1800" dirty="0">
+                <a:latin typeface="Consolas" panose="020B0609020204030204" pitchFamily="49" charset="0"/>
+              </a:rPr>
+              <a:t>) = { "type" }</a:t>
+            </a:r>
+          </a:p>
+          <a:p>
+            <a:r>
+              <a:rPr lang="en-US" sz="1800" dirty="0" err="1">
                 <a:latin typeface="Consolas" panose="020B0609020204030204" pitchFamily="49" charset="0"/>
               </a:rPr>
               <a:t>typeDecl</a:t>
             </a:r>
             <a:r>
-              <a:rPr lang="en-US" sz="2000" dirty="0">
-                <a:latin typeface="Consolas" panose="020B0609020204030204" pitchFamily="49" charset="0"/>
-              </a:rPr>
-              <a:t> = "type" </a:t>
-            </a:r>
-            <a:r>
-              <a:rPr lang="en-US" sz="2000" dirty="0" err="1">
-                <a:latin typeface="Consolas" panose="020B0609020204030204" pitchFamily="49" charset="0"/>
-              </a:rPr>
-              <a:t>typeId</a:t>
-            </a:r>
-            <a:r>
-              <a:rPr lang="en-US" sz="2000" dirty="0">
-                <a:latin typeface="Consolas" panose="020B0609020204030204" pitchFamily="49" charset="0"/>
-              </a:rPr>
-              <a:t> "="</a:t>
+              <a:rPr lang="en-US" sz="1800" dirty="0">
+                <a:latin typeface="Consolas" panose="020B0609020204030204" pitchFamily="49" charset="0"/>
+              </a:rPr>
+              <a:t> = </a:t>
+            </a:r>
+            <a:r>
+              <a:rPr lang="en-US" sz="1800" dirty="0" err="1">
+                <a:latin typeface="Consolas" panose="020B0609020204030204" pitchFamily="49" charset="0"/>
+              </a:rPr>
+              <a:t>arrayTypeDecl</a:t>
+            </a:r>
+            <a:r>
+              <a:rPr lang="en-US" sz="1800" dirty="0">
+                <a:latin typeface="Consolas" panose="020B0609020204030204" pitchFamily="49" charset="0"/>
+              </a:rPr>
+              <a:t> | </a:t>
+            </a:r>
+            <a:r>
+              <a:rPr lang="en-US" sz="1800" dirty="0" err="1">
+                <a:latin typeface="Consolas" panose="020B0609020204030204" pitchFamily="49" charset="0"/>
+              </a:rPr>
+              <a:t>recordTypeDecl</a:t>
+            </a:r>
+            <a:r>
+              <a:rPr lang="en-US" sz="1800" dirty="0">
+                <a:latin typeface="Consolas" panose="020B0609020204030204" pitchFamily="49" charset="0"/>
+              </a:rPr>
+              <a:t> | </a:t>
+            </a:r>
+            <a:r>
+              <a:rPr lang="en-US" sz="1800" dirty="0" err="1">
+                <a:latin typeface="Consolas" panose="020B0609020204030204" pitchFamily="49" charset="0"/>
+              </a:rPr>
+              <a:t>stringTypeDec</a:t>
             </a:r>
             <a:br>
-              <a:rPr lang="en-US" sz="2000" dirty="0">
+              <a:rPr lang="en-US" sz="1800" dirty="0">
                 <a:latin typeface="Consolas" panose="020B0609020204030204" pitchFamily="49" charset="0"/>
               </a:rPr>
             </a:br>
             <a:r>
-              <a:rPr lang="en-US" sz="2000" dirty="0">
-                <a:latin typeface="Consolas" panose="020B0609020204030204" pitchFamily="49" charset="0"/>
-              </a:rPr>
-              <a:t>    ( </a:t>
-            </a:r>
-            <a:r>
-              <a:rPr lang="en-US" sz="2000" dirty="0" err="1">
-                <a:latin typeface="Consolas" panose="020B0609020204030204" pitchFamily="49" charset="0"/>
-              </a:rPr>
-              <a:t>arrayTypeDecl</a:t>
-            </a:r>
-            <a:r>
-              <a:rPr lang="en-US" sz="2000" dirty="0">
+              <a:rPr lang="en-US" sz="1800" dirty="0">
+                <a:latin typeface="Consolas" panose="020B0609020204030204" pitchFamily="49" charset="0"/>
+              </a:rPr>
+              <a:t>First(</a:t>
+            </a:r>
+            <a:r>
+              <a:rPr lang="en-US" sz="1800" dirty="0" err="1">
+                <a:latin typeface="Consolas" panose="020B0609020204030204" pitchFamily="49" charset="0"/>
+              </a:rPr>
+              <a:t>typeDecl</a:t>
+            </a:r>
+            <a:r>
+              <a:rPr lang="en-US" sz="1800" dirty="0">
+                <a:latin typeface="Consolas" panose="020B0609020204030204" pitchFamily="49" charset="0"/>
+              </a:rPr>
+              <a:t>) = { "type" )</a:t>
+            </a:r>
+          </a:p>
+          <a:p>
+            <a:r>
+              <a:rPr lang="en-US" sz="1800" dirty="0" err="1">
+                <a:latin typeface="Consolas" panose="020B0609020204030204" pitchFamily="49" charset="0"/>
+              </a:rPr>
+              <a:t>initialDecl</a:t>
+            </a:r>
+            <a:r>
+              <a:rPr lang="en-US" sz="1800" dirty="0">
+                <a:latin typeface="Consolas" panose="020B0609020204030204" pitchFamily="49" charset="0"/>
+              </a:rPr>
+              <a:t> = </a:t>
+            </a:r>
+            <a:r>
+              <a:rPr lang="en-US" sz="1800" dirty="0" err="1">
+                <a:latin typeface="Consolas" panose="020B0609020204030204" pitchFamily="49" charset="0"/>
+              </a:rPr>
+              <a:t>constDecl</a:t>
+            </a:r>
+            <a:r>
+              <a:rPr lang="en-US" sz="1800" dirty="0">
+                <a:latin typeface="Consolas" panose="020B0609020204030204" pitchFamily="49" charset="0"/>
+              </a:rPr>
+              <a:t> | varDecl | </a:t>
+            </a:r>
+            <a:r>
+              <a:rPr lang="en-US" sz="1800" dirty="0" err="1">
+                <a:latin typeface="Consolas" panose="020B0609020204030204" pitchFamily="49" charset="0"/>
+              </a:rPr>
+              <a:t>typeDecl</a:t>
+            </a:r>
+            <a:r>
+              <a:rPr lang="en-US" sz="1800" dirty="0">
+                <a:latin typeface="Consolas" panose="020B0609020204030204" pitchFamily="49" charset="0"/>
+              </a:rPr>
+              <a:t> .</a:t>
+            </a:r>
+            <a:br>
+              <a:rPr lang="en-US" sz="1800" dirty="0">
+                <a:latin typeface="Consolas" panose="020B0609020204030204" pitchFamily="49" charset="0"/>
+              </a:rPr>
+            </a:br>
+            <a:r>
+              <a:rPr lang="en-US" sz="1800" dirty="0">
+                <a:latin typeface="Consolas" panose="020B0609020204030204" pitchFamily="49" charset="0"/>
+              </a:rPr>
+              <a:t>First(</a:t>
+            </a:r>
+            <a:r>
+              <a:rPr lang="en-US" sz="1800" dirty="0" err="1">
+                <a:latin typeface="Consolas" panose="020B0609020204030204" pitchFamily="49" charset="0"/>
+              </a:rPr>
+              <a:t>initialDecl</a:t>
+            </a:r>
+            <a:r>
+              <a:rPr lang="en-US" sz="1800" dirty="0">
+                <a:latin typeface="Consolas" panose="020B0609020204030204" pitchFamily="49" charset="0"/>
+              </a:rPr>
+              <a:t>) = { "const", "var", "type" }</a:t>
+            </a:r>
+          </a:p>
+          <a:p>
+            <a:r>
+              <a:rPr lang="en-US" sz="1800" dirty="0" err="1">
+                <a:latin typeface="Consolas" panose="020B0609020204030204" pitchFamily="49" charset="0"/>
+              </a:rPr>
+              <a:t>subprogramDecl</a:t>
+            </a:r>
+            <a:r>
+              <a:rPr lang="en-US" sz="1800" dirty="0">
+                <a:latin typeface="Consolas" panose="020B0609020204030204" pitchFamily="49" charset="0"/>
+              </a:rPr>
+              <a:t> = </a:t>
+            </a:r>
+            <a:r>
+              <a:rPr lang="en-US" sz="1800" dirty="0" err="1">
+                <a:latin typeface="Consolas" panose="020B0609020204030204" pitchFamily="49" charset="0"/>
+              </a:rPr>
+              <a:t>procedureDecl</a:t>
+            </a:r>
+            <a:r>
+              <a:rPr lang="en-US" sz="1800" dirty="0">
                 <a:latin typeface="Consolas" panose="020B0609020204030204" pitchFamily="49" charset="0"/>
               </a:rPr>
               <a:t> | </a:t>
             </a:r>
             <a:r>
-              <a:rPr lang="en-US" sz="2000" dirty="0" err="1">
-                <a:latin typeface="Consolas" panose="020B0609020204030204" pitchFamily="49" charset="0"/>
-              </a:rPr>
-              <a:t>recordTypeDecl</a:t>
-            </a:r>
-            <a:r>
-              <a:rPr lang="en-US" sz="2000" dirty="0">
-                <a:latin typeface="Consolas" panose="020B0609020204030204" pitchFamily="49" charset="0"/>
-              </a:rPr>
-              <a:t> | </a:t>
-            </a:r>
-            <a:r>
-              <a:rPr lang="en-US" sz="2000" dirty="0" err="1">
-                <a:latin typeface="Consolas" panose="020B0609020204030204" pitchFamily="49" charset="0"/>
-              </a:rPr>
-              <a:t>stringTypeDecl</a:t>
-            </a:r>
-            <a:r>
-              <a:rPr lang="en-US" sz="2000" dirty="0">
-                <a:latin typeface="Consolas" panose="020B0609020204030204" pitchFamily="49" charset="0"/>
-              </a:rPr>
-              <a:t>).</a:t>
+              <a:rPr lang="en-US" sz="1800" dirty="0" err="1">
+                <a:latin typeface="Consolas" panose="020B0609020204030204" pitchFamily="49" charset="0"/>
+              </a:rPr>
+              <a:t>functionDecl</a:t>
+            </a:r>
+            <a:r>
+              <a:rPr lang="en-US" sz="1800" dirty="0">
+                <a:latin typeface="Consolas" panose="020B0609020204030204" pitchFamily="49" charset="0"/>
+              </a:rPr>
+              <a:t> .</a:t>
             </a:r>
             <a:br>
-              <a:rPr lang="en-US" sz="2000" dirty="0">
+              <a:rPr lang="en-US" sz="1800" dirty="0">
                 <a:latin typeface="Consolas" panose="020B0609020204030204" pitchFamily="49" charset="0"/>
               </a:rPr>
             </a:br>
             <a:r>
-              <a:rPr lang="en-US" sz="2000" dirty="0">
+              <a:rPr lang="en-US" sz="1800" dirty="0">
                 <a:latin typeface="Consolas" panose="020B0609020204030204" pitchFamily="49" charset="0"/>
               </a:rPr>
               <a:t>First(</a:t>
             </a:r>
             <a:r>
-              <a:rPr lang="en-US" sz="2000" dirty="0" err="1">
-                <a:latin typeface="Consolas" panose="020B0609020204030204" pitchFamily="49" charset="0"/>
-              </a:rPr>
-              <a:t>arrayTypeDecl</a:t>
-            </a:r>
-            <a:r>
-              <a:rPr lang="en-US" sz="2000" dirty="0">
-                <a:latin typeface="Consolas" panose="020B0609020204030204" pitchFamily="49" charset="0"/>
-              </a:rPr>
-              <a:t>) = { "type" }</a:t>
-            </a:r>
-          </a:p>
-          <a:p>
-            <a:r>
-              <a:rPr lang="en-US" sz="2000" dirty="0" err="1">
-                <a:latin typeface="Consolas" panose="020B0609020204030204" pitchFamily="49" charset="0"/>
-              </a:rPr>
-              <a:t>initialDecl</a:t>
-            </a:r>
-            <a:r>
-              <a:rPr lang="en-US" sz="2000" dirty="0">
-                <a:latin typeface="Consolas" panose="020B0609020204030204" pitchFamily="49" charset="0"/>
-              </a:rPr>
-              <a:t> = </a:t>
-            </a:r>
-            <a:r>
-              <a:rPr lang="en-US" sz="2000" dirty="0" err="1">
-                <a:latin typeface="Consolas" panose="020B0609020204030204" pitchFamily="49" charset="0"/>
-              </a:rPr>
-              <a:t>constDecl</a:t>
-            </a:r>
-            <a:r>
-              <a:rPr lang="en-US" sz="2000" dirty="0">
-                <a:latin typeface="Consolas" panose="020B0609020204030204" pitchFamily="49" charset="0"/>
-              </a:rPr>
-              <a:t> | varDecl | </a:t>
-            </a:r>
-            <a:r>
-              <a:rPr lang="en-US" sz="2000" dirty="0" err="1">
-                <a:latin typeface="Consolas" panose="020B0609020204030204" pitchFamily="49" charset="0"/>
-              </a:rPr>
-              <a:t>typeDecl</a:t>
-            </a:r>
-            <a:r>
-              <a:rPr lang="en-US" sz="2000" dirty="0">
-                <a:latin typeface="Consolas" panose="020B0609020204030204" pitchFamily="49" charset="0"/>
-              </a:rPr>
-              <a:t> .</a:t>
+              <a:rPr lang="en-US" sz="1800" dirty="0" err="1">
+                <a:latin typeface="Consolas" panose="020B0609020204030204" pitchFamily="49" charset="0"/>
+              </a:rPr>
+              <a:t>subprogramDecl</a:t>
+            </a:r>
+            <a:r>
+              <a:rPr lang="en-US" sz="1800" dirty="0">
+                <a:latin typeface="Consolas" panose="020B0609020204030204" pitchFamily="49" charset="0"/>
+              </a:rPr>
+              <a:t>) = { "proc", "fun" }</a:t>
+            </a:r>
+          </a:p>
+          <a:p>
+            <a:r>
+              <a:rPr lang="en-US" sz="1800" dirty="0" err="1">
+                <a:latin typeface="Consolas" panose="020B0609020204030204" pitchFamily="49" charset="0"/>
+              </a:rPr>
+              <a:t>loopStmt</a:t>
+            </a:r>
+            <a:r>
+              <a:rPr lang="en-US" sz="1800" dirty="0">
+                <a:latin typeface="Consolas" panose="020B0609020204030204" pitchFamily="49" charset="0"/>
+              </a:rPr>
+              <a:t> = [ "while" </a:t>
+            </a:r>
+            <a:r>
+              <a:rPr lang="en-US" sz="1800" dirty="0" err="1">
+                <a:latin typeface="Consolas" panose="020B0609020204030204" pitchFamily="49" charset="0"/>
+              </a:rPr>
+              <a:t>booleanExpr</a:t>
+            </a:r>
+            <a:r>
+              <a:rPr lang="en-US" sz="1800" dirty="0">
+                <a:latin typeface="Consolas" panose="020B0609020204030204" pitchFamily="49" charset="0"/>
+              </a:rPr>
+              <a:t> ] "loop" statement .</a:t>
             </a:r>
             <a:br>
-              <a:rPr lang="en-US" sz="2000" dirty="0">
+              <a:rPr lang="en-US" sz="1800" dirty="0">
                 <a:latin typeface="Consolas" panose="020B0609020204030204" pitchFamily="49" charset="0"/>
               </a:rPr>
             </a:br>
             <a:r>
-              <a:rPr lang="en-US" sz="2000" dirty="0">
+              <a:rPr lang="en-US" sz="1800" dirty="0">
                 <a:latin typeface="Consolas" panose="020B0609020204030204" pitchFamily="49" charset="0"/>
               </a:rPr>
               <a:t>First(</a:t>
             </a:r>
             <a:r>
-              <a:rPr lang="en-US" sz="2000" dirty="0" err="1">
-                <a:latin typeface="Consolas" panose="020B0609020204030204" pitchFamily="49" charset="0"/>
-              </a:rPr>
-              <a:t>initialDecl</a:t>
-            </a:r>
-            <a:r>
-              <a:rPr lang="en-US" sz="2000" dirty="0">
-                <a:latin typeface="Consolas" panose="020B0609020204030204" pitchFamily="49" charset="0"/>
-              </a:rPr>
-              <a:t>) = { "const", "var", "type" }</a:t>
-            </a:r>
-          </a:p>
-          <a:p>
-            <a:r>
-              <a:rPr lang="en-US" sz="2000" dirty="0" err="1">
-                <a:latin typeface="Consolas" panose="020B0609020204030204" pitchFamily="49" charset="0"/>
-              </a:rPr>
-              <a:t>procedureDecl</a:t>
-            </a:r>
-            <a:r>
-              <a:rPr lang="en-US" sz="2000" dirty="0">
-                <a:latin typeface="Consolas" panose="020B0609020204030204" pitchFamily="49" charset="0"/>
-              </a:rPr>
-              <a:t> = "proc" </a:t>
-            </a:r>
-            <a:r>
-              <a:rPr lang="en-US" sz="2000" dirty="0" err="1">
-                <a:latin typeface="Consolas" panose="020B0609020204030204" pitchFamily="49" charset="0"/>
-              </a:rPr>
-              <a:t>procId</a:t>
-            </a:r>
-            <a:r>
-              <a:rPr lang="en-US" sz="2000" dirty="0">
-                <a:latin typeface="Consolas" panose="020B0609020204030204" pitchFamily="49" charset="0"/>
-              </a:rPr>
-              <a:t> "(" ...</a:t>
-            </a:r>
-            <a:br>
-              <a:rPr lang="en-US" sz="2000" dirty="0">
-                <a:latin typeface="Consolas" panose="020B0609020204030204" pitchFamily="49" charset="0"/>
-              </a:rPr>
-            </a:br>
-            <a:r>
-              <a:rPr lang="en-US" sz="2000" dirty="0">
-                <a:latin typeface="Consolas" panose="020B0609020204030204" pitchFamily="49" charset="0"/>
-              </a:rPr>
-              <a:t>First(</a:t>
-            </a:r>
-            <a:r>
-              <a:rPr lang="en-US" sz="2000" dirty="0" err="1">
-                <a:latin typeface="Consolas" panose="020B0609020204030204" pitchFamily="49" charset="0"/>
-              </a:rPr>
-              <a:t>procedureDecl</a:t>
-            </a:r>
-            <a:r>
-              <a:rPr lang="en-US" sz="2000" dirty="0">
-                <a:latin typeface="Consolas" panose="020B0609020204030204" pitchFamily="49" charset="0"/>
-              </a:rPr>
-              <a:t>) = { "proc" }</a:t>
-            </a:r>
-          </a:p>
-          <a:p>
-            <a:r>
-              <a:rPr lang="en-US" sz="2000" dirty="0" err="1">
+              <a:rPr lang="en-US" sz="1800" dirty="0" err="1">
                 <a:latin typeface="Consolas" panose="020B0609020204030204" pitchFamily="49" charset="0"/>
               </a:rPr>
               <a:t>loopStmt</a:t>
             </a:r>
             <a:r>
-              <a:rPr lang="en-US" sz="2000" dirty="0">
-                <a:latin typeface="Consolas" panose="020B0609020204030204" pitchFamily="49" charset="0"/>
-              </a:rPr>
-              <a:t> = [ "while" </a:t>
-            </a:r>
-            <a:r>
-              <a:rPr lang="en-US" sz="2000" dirty="0" err="1">
-                <a:latin typeface="Consolas" panose="020B0609020204030204" pitchFamily="49" charset="0"/>
-              </a:rPr>
-              <a:t>booleanExpr</a:t>
-            </a:r>
-            <a:r>
-              <a:rPr lang="en-US" sz="2000" dirty="0">
-                <a:latin typeface="Consolas" panose="020B0609020204030204" pitchFamily="49" charset="0"/>
-              </a:rPr>
-              <a:t> ] "loop" statement .</a:t>
-            </a:r>
-            <a:br>
-              <a:rPr lang="en-US" sz="2000" dirty="0">
-                <a:latin typeface="Consolas" panose="020B0609020204030204" pitchFamily="49" charset="0"/>
-              </a:rPr>
-            </a:br>
-            <a:r>
-              <a:rPr lang="en-US" sz="2000" dirty="0">
-                <a:latin typeface="Consolas" panose="020B0609020204030204" pitchFamily="49" charset="0"/>
-              </a:rPr>
-              <a:t>First(</a:t>
-            </a:r>
-            <a:r>
-              <a:rPr lang="en-US" sz="2000" dirty="0" err="1">
-                <a:latin typeface="Consolas" panose="020B0609020204030204" pitchFamily="49" charset="0"/>
-              </a:rPr>
-              <a:t>loopStmt</a:t>
-            </a:r>
-            <a:r>
-              <a:rPr lang="en-US" sz="2000" dirty="0">
+              <a:rPr lang="en-US" sz="1800" dirty="0">
                 <a:latin typeface="Consolas" panose="020B0609020204030204" pitchFamily="49" charset="0"/>
               </a:rPr>
               <a:t>) = { "while", "loop" }</a:t>
@@ -13261,7 +13333,7 @@
     </p:spTree>
     <p:extLst>
       <p:ext uri="{BB962C8B-B14F-4D97-AF65-F5344CB8AC3E}">
-        <p14:creationId xmlns:p14="http://schemas.microsoft.com/office/powerpoint/2010/main" val="2121325082"/>
+        <p14:creationId xmlns:p14="http://schemas.microsoft.com/office/powerpoint/2010/main" val="2101405562"/>
       </p:ext>
     </p:extLst>
   </p:cSld>

--- a/PowerPoints/06 - Syntax Analysis.pptx
+++ b/PowerPoints/06 - Syntax Analysis.pptx
@@ -61,7 +61,7 @@
     <p:sldId id="271" r:id="rId49"/>
     <p:sldId id="420" r:id="rId50"/>
     <p:sldId id="356" r:id="rId51"/>
-    <p:sldId id="316" r:id="rId52"/>
+    <p:sldId id="377" r:id="rId52"/>
     <p:sldId id="424" r:id="rId53"/>
     <p:sldId id="425" r:id="rId54"/>
     <p:sldId id="388" r:id="rId55"/>
@@ -14094,7 +14094,9 @@
               <a:buNone/>
             </a:pPr>
             <a:r>
-              <a:rPr lang="en-US" sz="1800" dirty="0"/>
+              <a:rPr lang="en-US" sz="1800" dirty="0">
+                <a:latin typeface="Consolas" panose="020B0609020204030204" pitchFamily="49" charset="0"/>
+              </a:rPr>
               <a:t>subprogramDecls = subprogramDecl { subprogramDecl } .</a:t>
             </a:r>
           </a:p>
@@ -23041,85 +23043,143 @@
             <p:ph idx="1"/>
           </p:nvPr>
         </p:nvSpPr>
-        <p:spPr/>
-        <p:txBody>
-          <a:bodyPr/>
-          <a:lstStyle/>
-          <a:p>
-            <a:r>
-              <a:rPr lang="en-US" dirty="0"/>
-              <a:t>As given, the grammar for CPRL is “not quite” LL(1)</a:t>
-            </a:r>
-          </a:p>
-          <a:p>
-            <a:r>
-              <a:rPr lang="en-US" dirty="0"/>
-              <a:t>Example: Parsing a statement.</a:t>
-            </a:r>
-          </a:p>
-          <a:p>
-            <a:pPr lvl="1">
-              <a:buNone/>
-            </a:pPr>
+        <p:spPr>
+          <a:xfrm>
+            <a:off x="458787" y="1363663"/>
+            <a:ext cx="8321040" cy="4935537"/>
+          </a:xfrm>
+        </p:spPr>
+        <p:txBody>
+          <a:bodyPr/>
+          <a:lstStyle/>
+          <a:p>
+            <a:pPr>
+              <a:spcBef>
+                <a:spcPts val="0"/>
+              </a:spcBef>
+            </a:pPr>
+            <a:r>
+              <a:rPr lang="en-US" sz="2350" dirty="0"/>
+              <a:t>As given, the grammar for CPRL is “not quite” LL(1).  Consider the rule for </a:t>
+            </a:r>
+            <a:r>
+              <a:rPr lang="en-US" sz="2350" dirty="0">
+                <a:latin typeface="Consolas" panose="020B0609020204030204" pitchFamily="49" charset="0"/>
+              </a:rPr>
+              <a:t>statement</a:t>
+            </a:r>
+            <a:r>
+              <a:rPr lang="en-US" sz="2350" dirty="0"/>
+              <a:t>.</a:t>
+            </a:r>
+            <a:br>
+              <a:rPr lang="en-US" sz="2350" dirty="0"/>
+            </a:br>
+            <a:r>
+              <a:rPr lang="en-US" dirty="0"/>
+              <a:t> </a:t>
+            </a:r>
             <a:r>
               <a:rPr lang="en-US" sz="1800" dirty="0">
                 <a:latin typeface="Consolas" pitchFamily="49" charset="0"/>
                 <a:cs typeface="Consolas" pitchFamily="49" charset="0"/>
               </a:rPr>
-              <a:t> statement = </a:t>
+              <a:t>statement = </a:t>
             </a:r>
             <a:r>
               <a:rPr lang="en-US" sz="1800" dirty="0" err="1">
                 <a:latin typeface="Consolas" pitchFamily="49" charset="0"/>
                 <a:cs typeface="Consolas" pitchFamily="49" charset="0"/>
               </a:rPr>
+              <a:t>assignmentStmt</a:t>
+            </a:r>
+            <a:r>
+              <a:rPr lang="en-US" sz="1800" dirty="0">
+                <a:latin typeface="Consolas" pitchFamily="49" charset="0"/>
+                <a:cs typeface="Consolas" pitchFamily="49" charset="0"/>
+              </a:rPr>
+              <a:t> | </a:t>
+            </a:r>
+            <a:r>
+              <a:rPr lang="en-US" sz="1800" dirty="0" err="1">
+                <a:latin typeface="Consolas" pitchFamily="49" charset="0"/>
+                <a:cs typeface="Consolas" pitchFamily="49" charset="0"/>
+              </a:rPr>
+              <a:t>procedureCallStmt</a:t>
+            </a:r>
+            <a:r>
+              <a:rPr lang="en-US" sz="1800" dirty="0">
+                <a:latin typeface="Consolas" pitchFamily="49" charset="0"/>
+                <a:cs typeface="Consolas" pitchFamily="49" charset="0"/>
+              </a:rPr>
+              <a:t> | </a:t>
+            </a:r>
+            <a:r>
+              <a:rPr lang="en-US" sz="1800" dirty="0" err="1">
+                <a:latin typeface="Consolas" pitchFamily="49" charset="0"/>
+                <a:cs typeface="Consolas" pitchFamily="49" charset="0"/>
+              </a:rPr>
               <a:t>compoundStmt</a:t>
             </a:r>
-            <a:r>
+            <a:br>
               <a:rPr lang="en-US" sz="1800" dirty="0">
                 <a:latin typeface="Consolas" pitchFamily="49" charset="0"/>
                 <a:cs typeface="Consolas" pitchFamily="49" charset="0"/>
               </a:rPr>
-              <a:t> | </a:t>
+            </a:br>
+            <a:r>
+              <a:rPr lang="en-US" sz="1800" dirty="0">
+                <a:latin typeface="Consolas" pitchFamily="49" charset="0"/>
+                <a:cs typeface="Consolas" pitchFamily="49" charset="0"/>
+              </a:rPr>
+              <a:t>           | </a:t>
             </a:r>
             <a:r>
               <a:rPr lang="en-US" sz="1800" dirty="0" err="1">
                 <a:latin typeface="Consolas" pitchFamily="49" charset="0"/>
                 <a:cs typeface="Consolas" pitchFamily="49" charset="0"/>
               </a:rPr>
-              <a:t>assignmentStmt</a:t>
+              <a:t>ifStmt</a:t>
             </a:r>
             <a:r>
               <a:rPr lang="en-US" sz="1800" dirty="0">
                 <a:latin typeface="Consolas" pitchFamily="49" charset="0"/>
                 <a:cs typeface="Consolas" pitchFamily="49" charset="0"/>
               </a:rPr>
-              <a:t> | </a:t>
+              <a:t>         | </a:t>
             </a:r>
             <a:r>
               <a:rPr lang="en-US" sz="1800" dirty="0" err="1">
                 <a:latin typeface="Consolas" pitchFamily="49" charset="0"/>
                 <a:cs typeface="Consolas" pitchFamily="49" charset="0"/>
               </a:rPr>
-              <a:t>ifStmt</a:t>
-            </a:r>
-            <a:endParaRPr lang="en-US" sz="1800" dirty="0">
-              <a:latin typeface="Consolas" pitchFamily="49" charset="0"/>
-              <a:cs typeface="Consolas" pitchFamily="49" charset="0"/>
-            </a:endParaRPr>
-          </a:p>
-          <a:p>
-            <a:pPr lvl="1">
-              <a:spcBef>
-                <a:spcPts val="200"/>
-              </a:spcBef>
-              <a:buNone/>
-            </a:pPr>
+              <a:t>loopStmt</a:t>
+            </a:r>
             <a:r>
               <a:rPr lang="en-US" sz="1800" dirty="0">
                 <a:latin typeface="Consolas" pitchFamily="49" charset="0"/>
                 <a:cs typeface="Consolas" pitchFamily="49" charset="0"/>
               </a:rPr>
+              <a:t>          | </a:t>
+            </a:r>
+            <a:r>
+              <a:rPr lang="en-US" sz="1800" dirty="0" err="1">
+                <a:latin typeface="Consolas" pitchFamily="49" charset="0"/>
+                <a:cs typeface="Consolas" pitchFamily="49" charset="0"/>
+              </a:rPr>
+              <a:t>forLoopStmt</a:t>
+            </a:r>
+            <a:br>
+              <a:rPr lang="en-US" sz="1800" dirty="0">
+                <a:latin typeface="Consolas" pitchFamily="49" charset="0"/>
+                <a:cs typeface="Consolas" pitchFamily="49" charset="0"/>
+              </a:rPr>
+            </a:br>
+            <a:r>
+              <a:rPr lang="en-US" sz="1800" dirty="0">
+                <a:latin typeface="Consolas" pitchFamily="49" charset="0"/>
+                <a:cs typeface="Consolas" pitchFamily="49" charset="0"/>
+              </a:rPr>
               <a:t>           | </a:t>
             </a:r>
             <a:r>
@@ -23127,96 +23187,62 @@
                 <a:latin typeface="Consolas" pitchFamily="49" charset="0"/>
                 <a:cs typeface="Consolas" pitchFamily="49" charset="0"/>
               </a:rPr>
-              <a:t>loopStmt</a:t>
+              <a:t>exitStmt</a:t>
             </a:r>
             <a:r>
               <a:rPr lang="en-US" sz="1800" dirty="0">
                 <a:latin typeface="Consolas" pitchFamily="49" charset="0"/>
                 <a:cs typeface="Consolas" pitchFamily="49" charset="0"/>
               </a:rPr>
-              <a:t> | </a:t>
+              <a:t>       | </a:t>
             </a:r>
             <a:r>
               <a:rPr lang="en-US" sz="1800" dirty="0" err="1">
                 <a:latin typeface="Consolas" pitchFamily="49" charset="0"/>
                 <a:cs typeface="Consolas" pitchFamily="49" charset="0"/>
               </a:rPr>
-              <a:t>exitStmt</a:t>
+              <a:t>readStmt</a:t>
             </a:r>
             <a:r>
               <a:rPr lang="en-US" sz="1800" dirty="0">
                 <a:latin typeface="Consolas" pitchFamily="49" charset="0"/>
                 <a:cs typeface="Consolas" pitchFamily="49" charset="0"/>
               </a:rPr>
-              <a:t> | </a:t>
+              <a:t>          | </a:t>
             </a:r>
             <a:r>
               <a:rPr lang="en-US" sz="1800" dirty="0" err="1">
                 <a:latin typeface="Consolas" pitchFamily="49" charset="0"/>
                 <a:cs typeface="Consolas" pitchFamily="49" charset="0"/>
               </a:rPr>
-              <a:t>readStmt</a:t>
-            </a:r>
-            <a:r>
+              <a:t>writeStmt</a:t>
+            </a:r>
+            <a:br>
               <a:rPr lang="en-US" sz="1800" dirty="0">
                 <a:latin typeface="Consolas" pitchFamily="49" charset="0"/>
                 <a:cs typeface="Consolas" pitchFamily="49" charset="0"/>
               </a:rPr>
-              <a:t> | </a:t>
+            </a:br>
+            <a:r>
+              <a:rPr lang="en-US" sz="1800" dirty="0">
+                <a:latin typeface="Consolas" pitchFamily="49" charset="0"/>
+                <a:cs typeface="Consolas" pitchFamily="49" charset="0"/>
+              </a:rPr>
+              <a:t>           | </a:t>
             </a:r>
             <a:r>
               <a:rPr lang="en-US" sz="1800" dirty="0" err="1">
                 <a:latin typeface="Consolas" pitchFamily="49" charset="0"/>
                 <a:cs typeface="Consolas" pitchFamily="49" charset="0"/>
               </a:rPr>
-              <a:t>writeStmt</a:t>
-            </a:r>
-            <a:endParaRPr lang="en-US" sz="1800" dirty="0">
-              <a:latin typeface="Consolas" pitchFamily="49" charset="0"/>
-              <a:cs typeface="Consolas" pitchFamily="49" charset="0"/>
-            </a:endParaRPr>
-          </a:p>
-          <a:p>
-            <a:pPr lvl="1">
-              <a:spcBef>
-                <a:spcPts val="200"/>
-              </a:spcBef>
-              <a:buNone/>
-            </a:pPr>
+              <a:t>writelnStmt</a:t>
+            </a:r>
             <a:r>
               <a:rPr lang="en-US" sz="1800" dirty="0">
                 <a:latin typeface="Consolas" pitchFamily="49" charset="0"/>
                 <a:cs typeface="Consolas" pitchFamily="49" charset="0"/>
               </a:rPr>
-              <a:t>           | </a:t>
-            </a:r>
-            <a:r>
-              <a:rPr lang="en-US" sz="1800" dirty="0" err="1">
-                <a:latin typeface="Consolas" pitchFamily="49" charset="0"/>
-                <a:cs typeface="Consolas" pitchFamily="49" charset="0"/>
-              </a:rPr>
-              <a:t>writelnStmt</a:t>
-            </a:r>
-            <a:r>
-              <a:rPr lang="en-US" sz="1800" dirty="0">
-                <a:latin typeface="Consolas" pitchFamily="49" charset="0"/>
-                <a:cs typeface="Consolas" pitchFamily="49" charset="0"/>
-              </a:rPr>
-              <a:t> | </a:t>
-            </a:r>
-            <a:r>
-              <a:rPr lang="en-US" sz="1800" dirty="0" err="1">
-                <a:latin typeface="Consolas" pitchFamily="49" charset="0"/>
-                <a:cs typeface="Consolas" pitchFamily="49" charset="0"/>
-              </a:rPr>
-              <a:t>procedureCallStmt</a:t>
-            </a:r>
-            <a:r>
-              <a:rPr lang="en-US" sz="1800" dirty="0">
-                <a:latin typeface="Consolas" pitchFamily="49" charset="0"/>
-                <a:cs typeface="Consolas" pitchFamily="49" charset="0"/>
-              </a:rPr>
-              <a:t> | </a:t>
+              <a:t>    | </a:t>
             </a:r>
             <a:r>
               <a:rPr lang="en-US" sz="1800" dirty="0" err="1">
@@ -23240,36 +23266,36 @@
               </a:spcBef>
             </a:pPr>
             <a:r>
-              <a:rPr lang="en-US" dirty="0"/>
+              <a:rPr lang="en-US" sz="2350" dirty="0"/>
               <a:t>Use the </a:t>
             </a:r>
             <a:r>
-              <a:rPr lang="en-US" dirty="0" err="1"/>
+              <a:rPr lang="en-US" sz="2350" dirty="0" err="1"/>
               <a:t>lookahead</a:t>
             </a:r>
             <a:r>
-              <a:rPr lang="en-US" dirty="0"/>
+              <a:rPr lang="en-US" sz="2350" dirty="0"/>
               <a:t> symbol to select the parsing method.</a:t>
             </a:r>
           </a:p>
           <a:p>
             <a:pPr lvl="1"/>
             <a:r>
-              <a:rPr lang="en-US" dirty="0"/>
+              <a:rPr lang="en-US" sz="1900" dirty="0"/>
               <a:t>“</a:t>
             </a:r>
             <a:r>
-              <a:rPr lang="en-US" dirty="0">
+              <a:rPr lang="en-US" sz="1900" dirty="0">
                 <a:latin typeface="Consolas" panose="020B0609020204030204" pitchFamily="49" charset="0"/>
               </a:rPr>
               <a:t>if</a:t>
             </a:r>
             <a:r>
-              <a:rPr lang="en-US" dirty="0"/>
+              <a:rPr lang="en-US" sz="1900" dirty="0"/>
               <a:t>”	→  call </a:t>
             </a:r>
             <a:r>
-              <a:rPr lang="en-US" dirty="0">
+              <a:rPr lang="en-US" sz="1900" dirty="0">
                 <a:latin typeface="Consolas" panose="020B0609020204030204" pitchFamily="49" charset="0"/>
               </a:rPr>
               <a:t>parseIfStmt()</a:t>
@@ -23278,104 +23304,104 @@
           <a:p>
             <a:pPr lvl="1"/>
             <a:r>
-              <a:rPr lang="en-US" dirty="0"/>
+              <a:rPr lang="en-US" sz="1900" dirty="0"/>
               <a:t>“</a:t>
             </a:r>
             <a:r>
-              <a:rPr lang="en-US" dirty="0">
+              <a:rPr lang="en-US" sz="1900" dirty="0">
                 <a:latin typeface="Consolas" panose="020B0609020204030204" pitchFamily="49" charset="0"/>
               </a:rPr>
               <a:t>while</a:t>
             </a:r>
             <a:r>
-              <a:rPr lang="en-US" dirty="0"/>
+              <a:rPr lang="en-US" sz="1900" dirty="0"/>
               <a:t>”	→  call </a:t>
             </a:r>
             <a:r>
-              <a:rPr lang="en-US" dirty="0">
+              <a:rPr lang="en-US" sz="1900" dirty="0">
                 <a:latin typeface="Consolas" panose="020B0609020204030204" pitchFamily="49" charset="0"/>
               </a:rPr>
               <a:t>parseLoopStmt()</a:t>
             </a:r>
-            <a:endParaRPr lang="en-US" dirty="0"/>
+            <a:endParaRPr lang="en-US" sz="1900" dirty="0"/>
           </a:p>
           <a:p>
             <a:pPr lvl="1"/>
             <a:r>
-              <a:rPr lang="en-US" dirty="0"/>
+              <a:rPr lang="en-US" sz="1900" dirty="0"/>
               <a:t>“</a:t>
             </a:r>
             <a:r>
-              <a:rPr lang="en-US" dirty="0">
+              <a:rPr lang="en-US" sz="1900" dirty="0">
                 <a:latin typeface="Consolas" panose="020B0609020204030204" pitchFamily="49" charset="0"/>
               </a:rPr>
               <a:t>loop</a:t>
             </a:r>
             <a:r>
-              <a:rPr lang="en-US" dirty="0"/>
+              <a:rPr lang="en-US" sz="1900" dirty="0"/>
               <a:t>” 	→  call </a:t>
             </a:r>
             <a:r>
-              <a:rPr lang="en-US" dirty="0">
+              <a:rPr lang="en-US" sz="1900" dirty="0">
                 <a:latin typeface="Consolas" panose="020B0609020204030204" pitchFamily="49" charset="0"/>
               </a:rPr>
               <a:t>parseLoopStmt()</a:t>
             </a:r>
-            <a:endParaRPr lang="en-US" dirty="0"/>
+            <a:endParaRPr lang="en-US" sz="1900" dirty="0"/>
           </a:p>
           <a:p>
             <a:pPr lvl="1"/>
             <a:r>
-              <a:rPr lang="en-US" dirty="0"/>
+              <a:rPr lang="en-US" sz="1900" dirty="0"/>
               <a:t>identifier 	→  call either </a:t>
             </a:r>
             <a:r>
-              <a:rPr lang="en-US" dirty="0">
+              <a:rPr lang="en-US" sz="1900" dirty="0">
                 <a:latin typeface="Consolas" panose="020B0609020204030204" pitchFamily="49" charset="0"/>
               </a:rPr>
               <a:t>parseAssignmentStmt()</a:t>
             </a:r>
             <a:r>
-              <a:rPr lang="en-US" dirty="0"/>
+              <a:rPr lang="en-US" sz="1900" dirty="0"/>
               <a:t> or</a:t>
             </a:r>
             <a:br>
-              <a:rPr lang="en-US" dirty="0"/>
+              <a:rPr lang="en-US" sz="1900" dirty="0"/>
             </a:br>
             <a:r>
-              <a:rPr lang="en-US" dirty="0"/>
+              <a:rPr lang="en-US" sz="1900" dirty="0"/>
               <a:t>		      </a:t>
             </a:r>
             <a:r>
-              <a:rPr lang="en-US" dirty="0" err="1">
+              <a:rPr lang="en-US" sz="1900" dirty="0" err="1">
                 <a:latin typeface="Consolas" panose="020B0609020204030204" pitchFamily="49" charset="0"/>
               </a:rPr>
               <a:t>parseProcedureCallStmt</a:t>
             </a:r>
             <a:r>
-              <a:rPr lang="en-US" dirty="0">
+              <a:rPr lang="en-US" sz="1900" dirty="0">
                 <a:latin typeface="Consolas" panose="020B0609020204030204" pitchFamily="49" charset="0"/>
               </a:rPr>
               <a:t>()</a:t>
             </a:r>
             <a:r>
-              <a:rPr lang="en-US" dirty="0"/>
+              <a:rPr lang="en-US" sz="1900" dirty="0"/>
               <a:t>  (which one?)</a:t>
             </a:r>
           </a:p>
           <a:p>
             <a:r>
-              <a:rPr lang="en-US" dirty="0"/>
+              <a:rPr lang="en-US" sz="2350" dirty="0"/>
               <a:t>Symbol </a:t>
             </a:r>
             <a:r>
-              <a:rPr lang="en-US" dirty="0">
+              <a:rPr lang="en-US" sz="2350" dirty="0">
                 <a:latin typeface="Consolas" panose="020B0609020204030204" pitchFamily="49" charset="0"/>
               </a:rPr>
               <a:t>identifier</a:t>
             </a:r>
             <a:r>
-              <a:rPr lang="en-US" dirty="0"/>
+              <a:rPr lang="en-US" sz="2350" dirty="0"/>
               <a:t> is in the first set of both an assignment statement and a procedure call statement.</a:t>
             </a:r>
           </a:p>

--- a/PowerPoints/06 - Syntax Analysis.pptx
+++ b/PowerPoints/06 - Syntax Analysis.pptx
@@ -14097,7 +14097,19 @@
               <a:rPr lang="en-US" sz="1800" dirty="0">
                 <a:latin typeface="Consolas" panose="020B0609020204030204" pitchFamily="49" charset="0"/>
               </a:rPr>
-              <a:t>subprogramDecls = subprogramDecl { subprogramDecl } .</a:t>
+              <a:t>subprogramDecls </a:t>
+            </a:r>
+            <a:r>
+              <a:rPr lang="en-US" sz="1800">
+                <a:latin typeface="Consolas" panose="020B0609020204030204" pitchFamily="49" charset="0"/>
+              </a:rPr>
+              <a:t>= { </a:t>
+            </a:r>
+            <a:r>
+              <a:rPr lang="en-US" sz="1800" dirty="0">
+                <a:latin typeface="Consolas" panose="020B0609020204030204" pitchFamily="49" charset="0"/>
+              </a:rPr>
+              <a:t>subprogramDecl } .</a:t>
             </a:r>
           </a:p>
           <a:p>

--- a/PowerPoints/06 - Syntax Analysis.pptx
+++ b/PowerPoints/06 - Syntax Analysis.pptx
@@ -73,7 +73,7 @@
     <p:sldId id="320" r:id="rId61"/>
     <p:sldId id="392" r:id="rId62"/>
     <p:sldId id="393" r:id="rId63"/>
-    <p:sldId id="324" r:id="rId64"/>
+    <p:sldId id="426" r:id="rId64"/>
     <p:sldId id="382" r:id="rId65"/>
     <p:sldId id="394" r:id="rId66"/>
     <p:sldId id="395" r:id="rId67"/>
@@ -27256,7 +27256,7 @@
               <a:t>Adding Declarations to </a:t>
             </a:r>
             <a:r>
-              <a:rPr lang="en-US" dirty="0" err="1">
+              <a:rPr lang="en-US" dirty="0">
                 <a:latin typeface="Consolas" pitchFamily="49" charset="0"/>
                 <a:cs typeface="Consolas" pitchFamily="49" charset="0"/>
               </a:rPr>
@@ -27286,7 +27286,7 @@
               <a:t>When an identifier is declared, the parser will attempt to add its token and </a:t>
             </a:r>
             <a:r>
-              <a:rPr lang="en-US" dirty="0" err="1">
+              <a:rPr lang="en-US" dirty="0">
                 <a:latin typeface="Consolas" panose="020B0609020204030204" pitchFamily="49" charset="0"/>
               </a:rPr>
               <a:t>IdType</a:t>
@@ -27302,6 +27302,13 @@
               <a:rPr lang="en-US" dirty="0"/>
               <a:t>throws an exception if an identifier with the same name (same token text) has been previously declared in the current scope.</a:t>
             </a:r>
+          </a:p>
+          <a:p>
+            <a:endParaRPr lang="en-US" dirty="0"/>
+          </a:p>
+          <a:p>
+            <a:pPr lvl="1"/>
+            <a:endParaRPr lang="en-US" dirty="0"/>
           </a:p>
           <a:p>
             <a:r>
@@ -27327,7 +27334,19 @@
               <a:rPr lang="en-US" sz="1800" dirty="0">
                 <a:latin typeface="Consolas" panose="020B0609020204030204" pitchFamily="49" charset="0"/>
               </a:rPr>
-              <a:t>idTable.add(constId, IdType.constantId)</a:t>
+              <a:t>idTable.add(constId, </a:t>
+            </a:r>
+            <a:r>
+              <a:rPr lang="en-US" sz="1800" dirty="0" err="1">
+                <a:latin typeface="Consolas" panose="020B0609020204030204" pitchFamily="49" charset="0"/>
+              </a:rPr>
+              <a:t>IdType.constantId</a:t>
+            </a:r>
+            <a:r>
+              <a:rPr lang="en-US" sz="1800" dirty="0">
+                <a:latin typeface="Consolas" panose="020B0609020204030204" pitchFamily="49" charset="0"/>
+              </a:rPr>
+              <a:t>)</a:t>
             </a:r>
           </a:p>
         </p:txBody>
@@ -27340,7 +27359,7 @@
         </p:nvSpPr>
         <p:spPr bwMode="auto">
           <a:xfrm>
-            <a:off x="2133600" y="3886200"/>
+            <a:off x="2133600" y="4759625"/>
             <a:ext cx="152400" cy="152400"/>
           </a:xfrm>
           <a:prstGeom prst="diamond">
@@ -27405,8 +27424,8 @@
         </p:nvCxnSpPr>
         <p:spPr bwMode="auto">
           <a:xfrm rot="10800000">
-            <a:off x="2209800" y="4038600"/>
-            <a:ext cx="531410" cy="812632"/>
+            <a:off x="2209800" y="4912026"/>
+            <a:ext cx="531410" cy="727167"/>
           </a:xfrm>
           <a:prstGeom prst="bentConnector2">
             <a:avLst/>
@@ -27432,7 +27451,7 @@
         </p:nvSpPr>
         <p:spPr>
           <a:xfrm>
-            <a:off x="2741210" y="4343400"/>
+            <a:off x="2741210" y="5131360"/>
             <a:ext cx="3661580" cy="1015663"/>
           </a:xfrm>
           <a:prstGeom prst="rect">
@@ -27479,6 +27498,65 @@
             <a:r>
               <a:rPr lang="en-US" sz="2000" dirty="0"/>
               <a:t>in the current scope</a:t>
+            </a:r>
+          </a:p>
+        </p:txBody>
+      </p:sp>
+      <p:sp>
+        <p:nvSpPr>
+          <p:cNvPr id="2" name="TextBox 1">
+            <a:extLst>
+              <a:ext uri="{FF2B5EF4-FFF2-40B4-BE49-F238E27FC236}">
+                <a16:creationId xmlns:a16="http://schemas.microsoft.com/office/drawing/2014/main" id="{09BEBF4C-A3A7-8DD2-5040-1277F9B7FCA0}"/>
+              </a:ext>
+            </a:extLst>
+          </p:cNvPr>
+          <p:cNvSpPr txBox="1"/>
+          <p:nvPr/>
+        </p:nvSpPr>
+        <p:spPr>
+          <a:xfrm>
+            <a:off x="1538574" y="3345359"/>
+            <a:ext cx="6066854" cy="769441"/>
+          </a:xfrm>
+          <a:prstGeom prst="rect">
+            <a:avLst/>
+          </a:prstGeom>
+          <a:noFill/>
+          <a:ln>
+            <a:solidFill>
+              <a:schemeClr val="tx1"/>
+            </a:solidFill>
+          </a:ln>
+        </p:spPr>
+        <p:txBody>
+          <a:bodyPr wrap="none" rtlCol="0">
+            <a:spAutoFit/>
+          </a:bodyPr>
+          <a:lstStyle/>
+          <a:p>
+            <a:r>
+              <a:rPr lang="en-US" sz="2200" b="1" dirty="0">
+                <a:solidFill>
+                  <a:srgbClr val="C00000"/>
+                </a:solidFill>
+              </a:rPr>
+              <a:t>Important: Add entries to the identifier table</a:t>
+            </a:r>
+            <a:br>
+              <a:rPr lang="en-US" sz="2200" b="1" dirty="0">
+                <a:solidFill>
+                  <a:srgbClr val="C00000"/>
+                </a:solidFill>
+              </a:rPr>
+            </a:br>
+            <a:r>
+              <a:rPr lang="en-US" sz="2200" b="1" dirty="0">
+                <a:solidFill>
+                  <a:srgbClr val="C00000"/>
+                </a:solidFill>
+              </a:rPr>
+              <a:t>                 only when parsing declarations.</a:t>
             </a:r>
           </a:p>
         </p:txBody>
